--- a/react/ctrlz5-0410.pptx
+++ b/react/ctrlz5-0410.pptx
@@ -3511,7 +3511,7 @@
         </p:nvSpPr>
         <p:spPr>
           <a:xfrm>
-            <a:off x="4554767" y="2680071"/>
+            <a:off x="4554767" y="2860323"/>
             <a:ext cx="3310906" cy="307777"/>
           </a:xfrm>
           <a:prstGeom prst="rect">
@@ -3766,7 +3766,7 @@
         </p:nvSpPr>
         <p:spPr>
           <a:xfrm>
-            <a:off x="923031" y="2651867"/>
+            <a:off x="923031" y="2842547"/>
             <a:ext cx="6096000" cy="369332"/>
           </a:xfrm>
           <a:prstGeom prst="rect">
@@ -3977,22 +3977,6 @@
             <a:r>
               <a:rPr lang="ko-KR" altLang="en-US" dirty="0"/>
               <a:t>계획</a:t>
-            </a:r>
-            <a:r>
-              <a:rPr lang="en-US" altLang="ko-KR" dirty="0"/>
-              <a:t>, </a:t>
-            </a:r>
-            <a:r>
-              <a:rPr lang="ko-KR" altLang="en-US" dirty="0"/>
-              <a:t>이 </a:t>
-            </a:r>
-            <a:r>
-              <a:rPr lang="ko-KR" altLang="en-US" dirty="0" err="1"/>
-              <a:t>쯤</a:t>
-            </a:r>
-            <a:r>
-              <a:rPr lang="ko-KR" altLang="en-US" dirty="0"/>
-              <a:t> 되었으니 당부</a:t>
             </a:r>
             <a:endParaRPr lang="en-US" altLang="ko-KR" dirty="0"/>
           </a:p>
